--- a/Verilog_Study/Presentation/(220706)_Summer_Bootcamp_김남훈_rev2.pptx
+++ b/Verilog_Study/Presentation/(220706)_Summer_Bootcamp_김남훈_rev2.pptx
@@ -240,7 +240,7 @@
           <a:p>
             <a:fld id="{2A425A70-5908-4F26-95C5-87BC94421A41}" type="datetimeFigureOut">
               <a:rPr lang="ko-KR" altLang="en-US" smtClean="0"/>
-              <a:t>2022-07-06</a:t>
+              <a:t>2022-07-14</a:t>
             </a:fld>
             <a:endParaRPr lang="ko-KR" altLang="en-US"/>
           </a:p>
@@ -406,7 +406,7 @@
             <a:fld id="{3AC3A17A-95E8-4381-B66B-5D6DE2B3048A}" type="datetimeFigureOut">
               <a:rPr lang="en-US" smtClean="0"/>
               <a:pPr/>
-              <a:t>7/6/2022</a:t>
+              <a:t>7/14/2022</a:t>
             </a:fld>
             <a:endParaRPr lang="en-US"/>
           </a:p>
@@ -6770,7 +6770,7 @@
             <a:pPr eaLnBrk="1" latinLnBrk="0" hangingPunct="1"/>
             <a:fld id="{3B6732A1-8A50-42D0-9FB5-A7CC4F887D83}" type="datetime1">
               <a:rPr lang="en-US" smtClean="0"/>
-              <a:t>7/6/2022</a:t>
+              <a:t>7/14/2022</a:t>
             </a:fld>
             <a:endParaRPr lang="en-US" sz="1600" dirty="0"/>
           </a:p>
@@ -7138,7 +7138,7 @@
             <a:pPr eaLnBrk="1" latinLnBrk="0" hangingPunct="1"/>
             <a:fld id="{932F6112-2530-4960-AA07-04E672D1E722}" type="datetime1">
               <a:rPr lang="en-US" smtClean="0"/>
-              <a:t>7/6/2022</a:t>
+              <a:t>7/14/2022</a:t>
             </a:fld>
             <a:endParaRPr lang="en-US"/>
           </a:p>
@@ -7314,7 +7314,7 @@
             <a:pPr eaLnBrk="1" latinLnBrk="0" hangingPunct="1"/>
             <a:fld id="{896A6EFF-8172-426D-9AC7-B0DD95EEE533}" type="datetime1">
               <a:rPr lang="en-US" smtClean="0"/>
-              <a:t>7/6/2022</a:t>
+              <a:t>7/14/2022</a:t>
             </a:fld>
             <a:endParaRPr lang="en-US"/>
           </a:p>
@@ -7550,7 +7550,7 @@
             <a:pPr eaLnBrk="1" latinLnBrk="0" hangingPunct="1"/>
             <a:fld id="{44B809B3-6A2C-46CF-98AB-C7B45372B065}" type="datetime1">
               <a:rPr lang="en-US" smtClean="0"/>
-              <a:t>7/6/2022</a:t>
+              <a:t>7/14/2022</a:t>
             </a:fld>
             <a:endParaRPr lang="en-US" dirty="0"/>
           </a:p>
@@ -7828,7 +7828,7 @@
             <a:pPr eaLnBrk="1" latinLnBrk="0" hangingPunct="1"/>
             <a:fld id="{C191117F-3CD7-4767-AEE5-49A060274EAA}" type="datetime1">
               <a:rPr lang="en-US" smtClean="0"/>
-              <a:t>7/6/2022</a:t>
+              <a:t>7/14/2022</a:t>
             </a:fld>
             <a:endParaRPr lang="en-US" dirty="0"/>
           </a:p>
@@ -8049,7 +8049,7 @@
             <a:pPr eaLnBrk="1" latinLnBrk="0" hangingPunct="1"/>
             <a:fld id="{47B8C5CE-9DF7-4BB4-863A-6E277DDC03D4}" type="datetime1">
               <a:rPr lang="en-US" smtClean="0"/>
-              <a:t>7/6/2022</a:t>
+              <a:t>7/14/2022</a:t>
             </a:fld>
             <a:endParaRPr lang="en-US"/>
           </a:p>
@@ -8402,7 +8402,7 @@
             <a:pPr eaLnBrk="1" latinLnBrk="0" hangingPunct="1"/>
             <a:fld id="{5EE11402-9D83-40E7-9253-0548CE63EB94}" type="datetime1">
               <a:rPr lang="en-US" smtClean="0"/>
-              <a:t>7/6/2022</a:t>
+              <a:t>7/14/2022</a:t>
             </a:fld>
             <a:endParaRPr lang="en-US"/>
           </a:p>
@@ -8635,7 +8635,7 @@
             <a:pPr eaLnBrk="1" latinLnBrk="0" hangingPunct="1"/>
             <a:fld id="{0C0C8811-C7DA-4658-BB60-F635F9220CDF}" type="datetime1">
               <a:rPr lang="en-US" smtClean="0"/>
-              <a:t>7/6/2022</a:t>
+              <a:t>7/14/2022</a:t>
             </a:fld>
             <a:endParaRPr lang="en-US"/>
           </a:p>
@@ -8777,7 +8777,7 @@
             <a:pPr eaLnBrk="1" latinLnBrk="0" hangingPunct="1"/>
             <a:fld id="{2EB38FCF-5E28-44CB-A212-D3E75CA77D8D}" type="datetime1">
               <a:rPr lang="en-US" smtClean="0"/>
-              <a:t>7/6/2022</a:t>
+              <a:t>7/14/2022</a:t>
             </a:fld>
             <a:endParaRPr lang="en-US"/>
           </a:p>
@@ -9055,7 +9055,7 @@
             <a:pPr eaLnBrk="1" latinLnBrk="0" hangingPunct="1"/>
             <a:fld id="{755FE7C6-0DE5-4400-A2DD-37AB2CB98797}" type="datetime1">
               <a:rPr lang="en-US" smtClean="0"/>
-              <a:t>7/6/2022</a:t>
+              <a:t>7/14/2022</a:t>
             </a:fld>
             <a:endParaRPr lang="en-US"/>
           </a:p>
@@ -9463,7 +9463,7 @@
             <a:pPr eaLnBrk="1" latinLnBrk="0" hangingPunct="1"/>
             <a:fld id="{7312819A-A7E0-496A-9C6B-0FBBF375D97B}" type="datetime1">
               <a:rPr lang="en-US" smtClean="0"/>
-              <a:t>7/6/2022</a:t>
+              <a:t>7/14/2022</a:t>
             </a:fld>
             <a:endParaRPr lang="en-US"/>
           </a:p>
@@ -9831,7 +9831,7 @@
             <a:pPr eaLnBrk="1" latinLnBrk="0" hangingPunct="1"/>
             <a:fld id="{0259BA2E-082A-4ACD-AA34-4B617DF5D259}" type="datetime1">
               <a:rPr lang="en-US" smtClean="0"/>
-              <a:t>7/6/2022</a:t>
+              <a:t>7/14/2022</a:t>
             </a:fld>
             <a:endParaRPr lang="en-US" sz="1400" dirty="0">
               <a:solidFill>
@@ -11570,7 +11570,7 @@
                   <a:latin typeface="D2Coding" panose="020B0609020101020101" pitchFamily="49" charset="-127"/>
                   <a:ea typeface="D2Coding" panose="020B0609020101020101" pitchFamily="49" charset="-127"/>
                 </a:rPr>
-                <a:t>)</a:t>
+                <a:t>);</a:t>
               </a:r>
             </a:p>
             <a:p>
@@ -11862,8 +11862,19 @@
                   <a:latin typeface="D2Coding" panose="020B0609020101020101" pitchFamily="49" charset="-127"/>
                   <a:ea typeface="D2Coding" panose="020B0609020101020101" pitchFamily="49" charset="-127"/>
                 </a:rPr>
-                <a:t> &lt;MODULE_NAME&gt; (TERMINAL_LIST)</a:t>
+                <a:t> &lt;MODULE_NAME&gt; (TERMINAL_</a:t>
               </a:r>
+              <a:r>
+                <a:rPr lang="en-US" altLang="ko-KR" sz="1600">
+                  <a:latin typeface="D2Coding" panose="020B0609020101020101" pitchFamily="49" charset="-127"/>
+                  <a:ea typeface="D2Coding" panose="020B0609020101020101" pitchFamily="49" charset="-127"/>
+                </a:rPr>
+                <a:t>LIST);</a:t>
+              </a:r>
+              <a:endParaRPr lang="en-US" altLang="ko-KR" sz="1600" dirty="0">
+                <a:latin typeface="D2Coding" panose="020B0609020101020101" pitchFamily="49" charset="-127"/>
+                <a:ea typeface="D2Coding" panose="020B0609020101020101" pitchFamily="49" charset="-127"/>
+              </a:endParaRPr>
             </a:p>
             <a:p>
               <a:endParaRPr lang="en-US" altLang="ko-KR" sz="1600" dirty="0">
